--- a/python/anb/Simulator Report 4-22.pptx
+++ b/python/anb/Simulator Report 4-22.pptx
@@ -3229,19 +3229,7 @@
           <a:p>
             <a:r>
               <a:rPr lang="en-US" dirty="0" smtClean="0"/>
-              <a:t>April </a:t>
-            </a:r>
-            <a:r>
-              <a:rPr lang="en-US" dirty="0" smtClean="0"/>
-              <a:t>22</a:t>
-            </a:r>
-            <a:r>
-              <a:rPr lang="en-US" dirty="0" smtClean="0"/>
-              <a:t>, </a:t>
-            </a:r>
-            <a:r>
-              <a:rPr lang="en-US" dirty="0" smtClean="0"/>
-              <a:t>2015</a:t>
+              <a:t>April 22, 2015</a:t>
             </a:r>
             <a:endParaRPr lang="en-US" dirty="0"/>
           </a:p>
@@ -3277,9 +3265,39 @@
           <a:chExt cx="0" cy="0"/>
         </a:xfrm>
       </p:grpSpPr>
+      <p:sp>
+        <p:nvSpPr>
+          <p:cNvPr id="5" name="TextBox 4"/>
+          <p:cNvSpPr txBox="1"/>
+          <p:nvPr/>
+        </p:nvSpPr>
+        <p:spPr>
+          <a:xfrm>
+            <a:off x="1198871" y="500862"/>
+            <a:ext cx="6746258" cy="646331"/>
+          </a:xfrm>
+          <a:prstGeom prst="rect">
+            <a:avLst/>
+          </a:prstGeom>
+          <a:noFill/>
+        </p:spPr>
+        <p:txBody>
+          <a:bodyPr wrap="none" rtlCol="0">
+            <a:spAutoFit/>
+          </a:bodyPr>
+          <a:lstStyle/>
+          <a:p>
+            <a:r>
+              <a:rPr lang="en-US" sz="3600" dirty="0" smtClean="0"/>
+              <a:t>Observational Parameters Text File</a:t>
+            </a:r>
+            <a:endParaRPr lang="en-US" sz="3600" dirty="0"/>
+          </a:p>
+        </p:txBody>
+      </p:sp>
       <p:pic>
         <p:nvPicPr>
-          <p:cNvPr id="4" name="Picture 3" descr="observ_params.png"/>
+          <p:cNvPr id="3" name="Picture 2" descr="observ_params.png"/>
           <p:cNvPicPr>
             <a:picLocks noChangeAspect="1"/>
           </p:cNvPicPr>
@@ -3299,44 +3317,14 @@
         </p:blipFill>
         <p:spPr>
           <a:xfrm>
-            <a:off x="960862" y="1828800"/>
-            <a:ext cx="7222275" cy="4203264"/>
+            <a:off x="446577" y="1475714"/>
+            <a:ext cx="8250845" cy="4916208"/>
           </a:xfrm>
           <a:prstGeom prst="rect">
             <a:avLst/>
           </a:prstGeom>
         </p:spPr>
       </p:pic>
-      <p:sp>
-        <p:nvSpPr>
-          <p:cNvPr id="5" name="TextBox 4"/>
-          <p:cNvSpPr txBox="1"/>
-          <p:nvPr/>
-        </p:nvSpPr>
-        <p:spPr>
-          <a:xfrm>
-            <a:off x="1436879" y="500862"/>
-            <a:ext cx="6746258" cy="646331"/>
-          </a:xfrm>
-          <a:prstGeom prst="rect">
-            <a:avLst/>
-          </a:prstGeom>
-          <a:noFill/>
-        </p:spPr>
-        <p:txBody>
-          <a:bodyPr wrap="none" rtlCol="0">
-            <a:spAutoFit/>
-          </a:bodyPr>
-          <a:lstStyle/>
-          <a:p>
-            <a:r>
-              <a:rPr lang="en-US" sz="3600" dirty="0" smtClean="0"/>
-              <a:t>Observational Parameters Text File</a:t>
-            </a:r>
-            <a:endParaRPr lang="en-US" sz="3600" dirty="0"/>
-          </a:p>
-        </p:txBody>
-      </p:sp>
     </p:spTree>
     <p:extLst>
       <p:ext uri="{BB962C8B-B14F-4D97-AF65-F5344CB8AC3E}">
@@ -3367,9 +3355,39 @@
           <a:chExt cx="0" cy="0"/>
         </a:xfrm>
       </p:grpSpPr>
+      <p:sp>
+        <p:nvSpPr>
+          <p:cNvPr id="6" name="TextBox 5"/>
+          <p:cNvSpPr txBox="1"/>
+          <p:nvPr/>
+        </p:nvSpPr>
+        <p:spPr>
+          <a:xfrm>
+            <a:off x="1933973" y="450684"/>
+            <a:ext cx="5276054" cy="646331"/>
+          </a:xfrm>
+          <a:prstGeom prst="rect">
+            <a:avLst/>
+          </a:prstGeom>
+          <a:noFill/>
+        </p:spPr>
+        <p:txBody>
+          <a:bodyPr wrap="none" rtlCol="0">
+            <a:spAutoFit/>
+          </a:bodyPr>
+          <a:lstStyle/>
+          <a:p>
+            <a:r>
+              <a:rPr lang="en-US" sz="3600" dirty="0" smtClean="0"/>
+              <a:t>Object Parameters CSV File</a:t>
+            </a:r>
+            <a:endParaRPr lang="en-US" sz="3600" dirty="0"/>
+          </a:p>
+        </p:txBody>
+      </p:sp>
       <p:pic>
         <p:nvPicPr>
-          <p:cNvPr id="4" name="Picture 3" descr="object_params.png"/>
+          <p:cNvPr id="3" name="Picture 2" descr="object_params.png"/>
           <p:cNvPicPr>
             <a:picLocks noChangeAspect="1"/>
           </p:cNvPicPr>
@@ -3389,44 +3407,14 @@
         </p:blipFill>
         <p:spPr>
           <a:xfrm>
-            <a:off x="470546" y="1603116"/>
-            <a:ext cx="8202907" cy="4726582"/>
+            <a:off x="-1" y="2396769"/>
+            <a:ext cx="9144001" cy="2049037"/>
           </a:xfrm>
           <a:prstGeom prst="rect">
             <a:avLst/>
           </a:prstGeom>
         </p:spPr>
       </p:pic>
-      <p:sp>
-        <p:nvSpPr>
-          <p:cNvPr id="6" name="TextBox 5"/>
-          <p:cNvSpPr txBox="1"/>
-          <p:nvPr/>
-        </p:nvSpPr>
-        <p:spPr>
-          <a:xfrm>
-            <a:off x="1933973" y="450684"/>
-            <a:ext cx="5276054" cy="646331"/>
-          </a:xfrm>
-          <a:prstGeom prst="rect">
-            <a:avLst/>
-          </a:prstGeom>
-          <a:noFill/>
-        </p:spPr>
-        <p:txBody>
-          <a:bodyPr wrap="none" rtlCol="0">
-            <a:spAutoFit/>
-          </a:bodyPr>
-          <a:lstStyle/>
-          <a:p>
-            <a:r>
-              <a:rPr lang="en-US" sz="3600" dirty="0" smtClean="0"/>
-              <a:t>Object Parameters CSV File</a:t>
-            </a:r>
-            <a:endParaRPr lang="en-US" sz="3600" dirty="0"/>
-          </a:p>
-        </p:txBody>
-      </p:sp>
     </p:spTree>
     <p:extLst>
       <p:ext uri="{BB962C8B-B14F-4D97-AF65-F5344CB8AC3E}">
@@ -3489,7 +3477,7 @@
       </p:sp>
       <p:pic>
         <p:nvPicPr>
-          <p:cNvPr id="2" name="Picture 1" descr="FITS output.png"/>
+          <p:cNvPr id="3" name="Picture 2" descr="FITS output.png"/>
           <p:cNvPicPr>
             <a:picLocks noChangeAspect="1"/>
           </p:cNvPicPr>
@@ -3509,8 +3497,8 @@
         </p:blipFill>
         <p:spPr>
           <a:xfrm>
-            <a:off x="1958204" y="1243773"/>
-            <a:ext cx="5664200" cy="5283200"/>
+            <a:off x="1732456" y="1043177"/>
+            <a:ext cx="5679087" cy="5273438"/>
           </a:xfrm>
           <a:prstGeom prst="rect">
             <a:avLst/>
@@ -3605,7 +3593,22 @@
             </a:pPr>
             <a:r>
               <a:rPr lang="en-US" sz="3200" dirty="0" smtClean="0"/>
-              <a:t>Add more object profiles and parameters</a:t>
+              <a:t>Fix the background flux</a:t>
+            </a:r>
+            <a:endParaRPr lang="en-US" sz="3200" dirty="0" smtClean="0"/>
+          </a:p>
+          <a:p>
+            <a:pPr marL="457200" indent="-457200">
+              <a:buFont typeface="Arial"/>
+              <a:buChar char="•"/>
+            </a:pPr>
+            <a:r>
+              <a:rPr lang="en-US" sz="3200" dirty="0" smtClean="0"/>
+              <a:t>Add </a:t>
+            </a:r>
+            <a:r>
+              <a:rPr lang="en-US" sz="3200" dirty="0" smtClean="0"/>
+              <a:t>more object profiles and parameters</a:t>
             </a:r>
           </a:p>
           <a:p>
@@ -3614,30 +3617,16 @@
               <a:buChar char="§"/>
             </a:pPr>
             <a:r>
-              <a:rPr lang="en-US" sz="3200" dirty="0" smtClean="0"/>
-              <a:t>De </a:t>
-            </a:r>
-            <a:r>
-              <a:rPr lang="en-US" sz="3200" dirty="0" err="1" smtClean="0"/>
-              <a:t>Vaucouleurs</a:t>
-            </a:r>
-            <a:r>
-              <a:rPr lang="en-US" sz="3200" dirty="0" smtClean="0"/>
-              <a:t> profile</a:t>
-            </a:r>
-          </a:p>
-          <a:p>
-            <a:pPr marL="914400" lvl="1" indent="-457200">
-              <a:buFont typeface="Wingdings" charset="2"/>
-              <a:buChar char="§"/>
-            </a:pPr>
-            <a:r>
               <a:rPr lang="en-US" sz="3200" dirty="0" err="1" smtClean="0"/>
               <a:t>Sersic</a:t>
             </a:r>
             <a:r>
               <a:rPr lang="en-US" sz="3200" dirty="0" smtClean="0"/>
-              <a:t> profile</a:t>
+              <a:t> </a:t>
+            </a:r>
+            <a:r>
+              <a:rPr lang="en-US" sz="3200" dirty="0" smtClean="0"/>
+              <a:t>profile</a:t>
             </a:r>
           </a:p>
           <a:p>
